--- a/presentation/english/akka-dotnet-as-an-example-of-actor-model.pptx
+++ b/presentation/english/akka-dotnet-as-an-example-of-actor-model.pptx
@@ -5,7 +5,7 @@
     <p:sldMasterId id="2147483648" r:id="rId1"/>
   </p:sldMasterIdLst>
   <p:notesMasterIdLst>
-    <p:notesMasterId r:id="rId11"/>
+    <p:notesMasterId r:id="rId14"/>
   </p:notesMasterIdLst>
   <p:sldIdLst>
     <p:sldId id="256" r:id="rId2"/>
@@ -14,9 +14,12 @@
     <p:sldId id="259" r:id="rId5"/>
     <p:sldId id="260" r:id="rId6"/>
     <p:sldId id="261" r:id="rId7"/>
-    <p:sldId id="262" r:id="rId8"/>
-    <p:sldId id="263" r:id="rId9"/>
-    <p:sldId id="264" r:id="rId10"/>
+    <p:sldId id="265" r:id="rId8"/>
+    <p:sldId id="266" r:id="rId9"/>
+    <p:sldId id="267" r:id="rId10"/>
+    <p:sldId id="262" r:id="rId11"/>
+    <p:sldId id="263" r:id="rId12"/>
+    <p:sldId id="264" r:id="rId13"/>
   </p:sldIdLst>
   <p:sldSz cx="12192000" cy="6858000"/>
   <p:notesSz cx="6858000" cy="9144000"/>
@@ -217,7 +220,7 @@
           <a:p>
             <a:fld id="{6D50C51E-EFFB-4915-A982-E3AC0495EF2E}" type="datetimeFigureOut">
               <a:rPr lang="en-GB" smtClean="0"/>
-              <a:t>05/03/2019</a:t>
+              <a:t>11/03/2019</a:t>
             </a:fld>
             <a:endParaRPr lang="en-GB"/>
           </a:p>
@@ -577,6 +580,104 @@
 </p:notes>
 </file>
 
+<file path=ppt/notesSlides/notesSlide10.xml><?xml version="1.0" encoding="utf-8"?>
+<p:notes xmlns:a="http://schemas.openxmlformats.org/drawingml/2006/main" xmlns:r="http://schemas.openxmlformats.org/officeDocument/2006/relationships" xmlns:p="http://schemas.openxmlformats.org/presentationml/2006/main">
+  <p:cSld>
+    <p:spTree>
+      <p:nvGrpSpPr>
+        <p:cNvPr id="1" name=""/>
+        <p:cNvGrpSpPr/>
+        <p:nvPr/>
+      </p:nvGrpSpPr>
+      <p:grpSpPr>
+        <a:xfrm>
+          <a:off x="0" y="0"/>
+          <a:ext cx="0" cy="0"/>
+          <a:chOff x="0" y="0"/>
+          <a:chExt cx="0" cy="0"/>
+        </a:xfrm>
+      </p:grpSpPr>
+      <p:sp>
+        <p:nvSpPr>
+          <p:cNvPr id="2" name="Slide Image Placeholder 1"/>
+          <p:cNvSpPr>
+            <a:spLocks noGrp="1" noRot="1" noChangeAspect="1"/>
+          </p:cNvSpPr>
+          <p:nvPr>
+            <p:ph type="sldImg"/>
+          </p:nvPr>
+        </p:nvSpPr>
+        <p:spPr/>
+      </p:sp>
+      <p:sp>
+        <p:nvSpPr>
+          <p:cNvPr id="3" name="Notes Placeholder 2"/>
+          <p:cNvSpPr>
+            <a:spLocks noGrp="1"/>
+          </p:cNvSpPr>
+          <p:nvPr>
+            <p:ph type="body" idx="1"/>
+          </p:nvPr>
+        </p:nvSpPr>
+        <p:spPr/>
+        <p:txBody>
+          <a:bodyPr/>
+          <a:lstStyle/>
+          <a:p>
+            <a:r>
+              <a:rPr lang="pl-PL" dirty="0" smtClean="0"/>
+              <a:t>Mention akka.streams!</a:t>
+            </a:r>
+          </a:p>
+          <a:p>
+            <a:r>
+              <a:rPr lang="pl-PL" dirty="0" smtClean="0"/>
+              <a:t>Mention</a:t>
+            </a:r>
+            <a:r>
+              <a:rPr lang="pl-PL" baseline="0" dirty="0" smtClean="0"/>
+              <a:t> virtual actor</a:t>
+            </a:r>
+            <a:endParaRPr lang="pl-PL" dirty="0"/>
+          </a:p>
+        </p:txBody>
+      </p:sp>
+      <p:sp>
+        <p:nvSpPr>
+          <p:cNvPr id="4" name="Slide Number Placeholder 3"/>
+          <p:cNvSpPr>
+            <a:spLocks noGrp="1"/>
+          </p:cNvSpPr>
+          <p:nvPr>
+            <p:ph type="sldNum" sz="quarter" idx="10"/>
+          </p:nvPr>
+        </p:nvSpPr>
+        <p:spPr/>
+        <p:txBody>
+          <a:bodyPr/>
+          <a:lstStyle/>
+          <a:p>
+            <a:fld id="{1FE3D8C1-E517-46B6-9C32-FED0C0B6C2DD}" type="slidenum">
+              <a:rPr lang="en-GB" smtClean="0"/>
+              <a:t>11</a:t>
+            </a:fld>
+            <a:endParaRPr lang="en-GB"/>
+          </a:p>
+        </p:txBody>
+      </p:sp>
+    </p:spTree>
+    <p:extLst>
+      <p:ext uri="{BB962C8B-B14F-4D97-AF65-F5344CB8AC3E}">
+        <p14:creationId xmlns:p14="http://schemas.microsoft.com/office/powerpoint/2010/main" val="2020688574"/>
+      </p:ext>
+    </p:extLst>
+  </p:cSld>
+  <p:clrMapOvr>
+    <a:masterClrMapping/>
+  </p:clrMapOvr>
+</p:notes>
+</file>
+
 <file path=ppt/notesSlides/notesSlide2.xml><?xml version="1.0" encoding="utf-8"?>
 <p:notes xmlns:a="http://schemas.openxmlformats.org/drawingml/2006/main" xmlns:r="http://schemas.openxmlformats.org/officeDocument/2006/relationships" xmlns:p="http://schemas.openxmlformats.org/presentationml/2006/main">
   <p:cSld>
@@ -631,7 +732,6 @@
               <a:rPr lang="pl-PL" baseline="0" dirty="0" smtClean="0"/>
               <a:t>Model – general definition on how system’s components work and comunicate with each other </a:t>
             </a:r>
-            <a:endParaRPr lang="pl-PL" baseline="0" dirty="0" smtClean="0"/>
           </a:p>
         </p:txBody>
       </p:sp>
@@ -761,7 +861,6 @@
               <a:rPr lang="pl-PL" baseline="0" dirty="0" smtClean="0"/>
               <a:t>Complex error handling</a:t>
             </a:r>
-            <a:endParaRPr lang="pl-PL" baseline="0" dirty="0" smtClean="0"/>
           </a:p>
         </p:txBody>
       </p:sp>
@@ -849,7 +948,6 @@
               <a:rPr lang="pl-PL" baseline="0" dirty="0" smtClean="0"/>
               <a:t>Processing simultaneously/concurrently without deadlocks both in process and distributed</a:t>
             </a:r>
-            <a:endParaRPr lang="pl-PL" baseline="0" dirty="0" smtClean="0"/>
           </a:p>
         </p:txBody>
       </p:sp>
@@ -1017,28 +1115,6 @@
           <a:bodyPr/>
           <a:lstStyle/>
           <a:p>
-            <a:r>
-              <a:rPr lang="pl-PL" baseline="0" dirty="0" smtClean="0"/>
-              <a:t>Debugging can be hard as a lot of things might happen at the same time</a:t>
-            </a:r>
-          </a:p>
-          <a:p>
-            <a:r>
-              <a:rPr lang="pl-PL" baseline="0" dirty="0" smtClean="0"/>
-              <a:t>Development – different philosophy – messages and no shared memory</a:t>
-            </a:r>
-          </a:p>
-          <a:p>
-            <a:r>
-              <a:rPr lang="pl-PL" baseline="0" dirty="0" smtClean="0"/>
-              <a:t>Configuration – can be a bit more complex in case of distributed deployment</a:t>
-            </a:r>
-          </a:p>
-          <a:p>
-            <a:r>
-              <a:rPr lang="pl-PL" baseline="0" dirty="0" smtClean="0"/>
-              <a:t>Deployment – compatibility between versions, keeping the state of the cluster, etc</a:t>
-            </a:r>
             <a:endParaRPr lang="pl-PL" baseline="0" dirty="0" smtClean="0"/>
           </a:p>
         </p:txBody>
@@ -1061,6 +1137,279 @@
             <a:fld id="{1FE3D8C1-E517-46B6-9C32-FED0C0B6C2DD}" type="slidenum">
               <a:rPr lang="en-GB" smtClean="0"/>
               <a:t>7</a:t>
+            </a:fld>
+            <a:endParaRPr lang="en-GB"/>
+          </a:p>
+        </p:txBody>
+      </p:sp>
+    </p:spTree>
+    <p:extLst>
+      <p:ext uri="{BB962C8B-B14F-4D97-AF65-F5344CB8AC3E}">
+        <p14:creationId xmlns:p14="http://schemas.microsoft.com/office/powerpoint/2010/main" val="1109555697"/>
+      </p:ext>
+    </p:extLst>
+  </p:cSld>
+  <p:clrMapOvr>
+    <a:masterClrMapping/>
+  </p:clrMapOvr>
+</p:notes>
+</file>
+
+<file path=ppt/notesSlides/notesSlide7.xml><?xml version="1.0" encoding="utf-8"?>
+<p:notes xmlns:a="http://schemas.openxmlformats.org/drawingml/2006/main" xmlns:r="http://schemas.openxmlformats.org/officeDocument/2006/relationships" xmlns:p="http://schemas.openxmlformats.org/presentationml/2006/main">
+  <p:cSld>
+    <p:spTree>
+      <p:nvGrpSpPr>
+        <p:cNvPr id="1" name=""/>
+        <p:cNvGrpSpPr/>
+        <p:nvPr/>
+      </p:nvGrpSpPr>
+      <p:grpSpPr>
+        <a:xfrm>
+          <a:off x="0" y="0"/>
+          <a:ext cx="0" cy="0"/>
+          <a:chOff x="0" y="0"/>
+          <a:chExt cx="0" cy="0"/>
+        </a:xfrm>
+      </p:grpSpPr>
+      <p:sp>
+        <p:nvSpPr>
+          <p:cNvPr id="2" name="Slide Image Placeholder 1"/>
+          <p:cNvSpPr>
+            <a:spLocks noGrp="1" noRot="1" noChangeAspect="1"/>
+          </p:cNvSpPr>
+          <p:nvPr>
+            <p:ph type="sldImg"/>
+          </p:nvPr>
+        </p:nvSpPr>
+        <p:spPr/>
+      </p:sp>
+      <p:sp>
+        <p:nvSpPr>
+          <p:cNvPr id="3" name="Notes Placeholder 2"/>
+          <p:cNvSpPr>
+            <a:spLocks noGrp="1"/>
+          </p:cNvSpPr>
+          <p:nvPr>
+            <p:ph type="body" idx="1"/>
+          </p:nvPr>
+        </p:nvSpPr>
+        <p:spPr/>
+        <p:txBody>
+          <a:bodyPr/>
+          <a:lstStyle/>
+          <a:p>
+            <a:endParaRPr lang="pl-PL" baseline="0" dirty="0" smtClean="0"/>
+          </a:p>
+        </p:txBody>
+      </p:sp>
+      <p:sp>
+        <p:nvSpPr>
+          <p:cNvPr id="4" name="Slide Number Placeholder 3"/>
+          <p:cNvSpPr>
+            <a:spLocks noGrp="1"/>
+          </p:cNvSpPr>
+          <p:nvPr>
+            <p:ph type="sldNum" sz="quarter" idx="10"/>
+          </p:nvPr>
+        </p:nvSpPr>
+        <p:spPr/>
+        <p:txBody>
+          <a:bodyPr/>
+          <a:lstStyle/>
+          <a:p>
+            <a:fld id="{1FE3D8C1-E517-46B6-9C32-FED0C0B6C2DD}" type="slidenum">
+              <a:rPr lang="en-GB" smtClean="0"/>
+              <a:t>8</a:t>
+            </a:fld>
+            <a:endParaRPr lang="en-GB"/>
+          </a:p>
+        </p:txBody>
+      </p:sp>
+    </p:spTree>
+    <p:extLst>
+      <p:ext uri="{BB962C8B-B14F-4D97-AF65-F5344CB8AC3E}">
+        <p14:creationId xmlns:p14="http://schemas.microsoft.com/office/powerpoint/2010/main" val="1801507972"/>
+      </p:ext>
+    </p:extLst>
+  </p:cSld>
+  <p:clrMapOvr>
+    <a:masterClrMapping/>
+  </p:clrMapOvr>
+</p:notes>
+</file>
+
+<file path=ppt/notesSlides/notesSlide8.xml><?xml version="1.0" encoding="utf-8"?>
+<p:notes xmlns:a="http://schemas.openxmlformats.org/drawingml/2006/main" xmlns:r="http://schemas.openxmlformats.org/officeDocument/2006/relationships" xmlns:p="http://schemas.openxmlformats.org/presentationml/2006/main">
+  <p:cSld>
+    <p:spTree>
+      <p:nvGrpSpPr>
+        <p:cNvPr id="1" name=""/>
+        <p:cNvGrpSpPr/>
+        <p:nvPr/>
+      </p:nvGrpSpPr>
+      <p:grpSpPr>
+        <a:xfrm>
+          <a:off x="0" y="0"/>
+          <a:ext cx="0" cy="0"/>
+          <a:chOff x="0" y="0"/>
+          <a:chExt cx="0" cy="0"/>
+        </a:xfrm>
+      </p:grpSpPr>
+      <p:sp>
+        <p:nvSpPr>
+          <p:cNvPr id="2" name="Slide Image Placeholder 1"/>
+          <p:cNvSpPr>
+            <a:spLocks noGrp="1" noRot="1" noChangeAspect="1"/>
+          </p:cNvSpPr>
+          <p:nvPr>
+            <p:ph type="sldImg"/>
+          </p:nvPr>
+        </p:nvSpPr>
+        <p:spPr/>
+      </p:sp>
+      <p:sp>
+        <p:nvSpPr>
+          <p:cNvPr id="3" name="Notes Placeholder 2"/>
+          <p:cNvSpPr>
+            <a:spLocks noGrp="1"/>
+          </p:cNvSpPr>
+          <p:nvPr>
+            <p:ph type="body" idx="1"/>
+          </p:nvPr>
+        </p:nvSpPr>
+        <p:spPr/>
+        <p:txBody>
+          <a:bodyPr/>
+          <a:lstStyle/>
+          <a:p>
+            <a:endParaRPr lang="pl-PL" baseline="0" dirty="0" smtClean="0"/>
+          </a:p>
+        </p:txBody>
+      </p:sp>
+      <p:sp>
+        <p:nvSpPr>
+          <p:cNvPr id="4" name="Slide Number Placeholder 3"/>
+          <p:cNvSpPr>
+            <a:spLocks noGrp="1"/>
+          </p:cNvSpPr>
+          <p:nvPr>
+            <p:ph type="sldNum" sz="quarter" idx="10"/>
+          </p:nvPr>
+        </p:nvSpPr>
+        <p:spPr/>
+        <p:txBody>
+          <a:bodyPr/>
+          <a:lstStyle/>
+          <a:p>
+            <a:fld id="{1FE3D8C1-E517-46B6-9C32-FED0C0B6C2DD}" type="slidenum">
+              <a:rPr lang="en-GB" smtClean="0"/>
+              <a:t>9</a:t>
+            </a:fld>
+            <a:endParaRPr lang="en-GB"/>
+          </a:p>
+        </p:txBody>
+      </p:sp>
+    </p:spTree>
+    <p:extLst>
+      <p:ext uri="{BB962C8B-B14F-4D97-AF65-F5344CB8AC3E}">
+        <p14:creationId xmlns:p14="http://schemas.microsoft.com/office/powerpoint/2010/main" val="1737709288"/>
+      </p:ext>
+    </p:extLst>
+  </p:cSld>
+  <p:clrMapOvr>
+    <a:masterClrMapping/>
+  </p:clrMapOvr>
+</p:notes>
+</file>
+
+<file path=ppt/notesSlides/notesSlide9.xml><?xml version="1.0" encoding="utf-8"?>
+<p:notes xmlns:a="http://schemas.openxmlformats.org/drawingml/2006/main" xmlns:r="http://schemas.openxmlformats.org/officeDocument/2006/relationships" xmlns:p="http://schemas.openxmlformats.org/presentationml/2006/main">
+  <p:cSld>
+    <p:spTree>
+      <p:nvGrpSpPr>
+        <p:cNvPr id="1" name=""/>
+        <p:cNvGrpSpPr/>
+        <p:nvPr/>
+      </p:nvGrpSpPr>
+      <p:grpSpPr>
+        <a:xfrm>
+          <a:off x="0" y="0"/>
+          <a:ext cx="0" cy="0"/>
+          <a:chOff x="0" y="0"/>
+          <a:chExt cx="0" cy="0"/>
+        </a:xfrm>
+      </p:grpSpPr>
+      <p:sp>
+        <p:nvSpPr>
+          <p:cNvPr id="2" name="Slide Image Placeholder 1"/>
+          <p:cNvSpPr>
+            <a:spLocks noGrp="1" noRot="1" noChangeAspect="1"/>
+          </p:cNvSpPr>
+          <p:nvPr>
+            <p:ph type="sldImg"/>
+          </p:nvPr>
+        </p:nvSpPr>
+        <p:spPr/>
+      </p:sp>
+      <p:sp>
+        <p:nvSpPr>
+          <p:cNvPr id="3" name="Notes Placeholder 2"/>
+          <p:cNvSpPr>
+            <a:spLocks noGrp="1"/>
+          </p:cNvSpPr>
+          <p:nvPr>
+            <p:ph type="body" idx="1"/>
+          </p:nvPr>
+        </p:nvSpPr>
+        <p:spPr/>
+        <p:txBody>
+          <a:bodyPr/>
+          <a:lstStyle/>
+          <a:p>
+            <a:r>
+              <a:rPr lang="pl-PL" baseline="0" dirty="0" smtClean="0"/>
+              <a:t>Debugging can be hard as a lot of things might happen at the same time</a:t>
+            </a:r>
+          </a:p>
+          <a:p>
+            <a:r>
+              <a:rPr lang="pl-PL" baseline="0" dirty="0" smtClean="0"/>
+              <a:t>Development – different philosophy – messages and no shared memory</a:t>
+            </a:r>
+          </a:p>
+          <a:p>
+            <a:r>
+              <a:rPr lang="pl-PL" baseline="0" dirty="0" smtClean="0"/>
+              <a:t>Configuration – can be a bit more complex in case of distributed deployment</a:t>
+            </a:r>
+          </a:p>
+          <a:p>
+            <a:r>
+              <a:rPr lang="pl-PL" baseline="0" dirty="0" smtClean="0"/>
+              <a:t>Deployment – compatibility between versions, keeping the state of the cluster, etc</a:t>
+            </a:r>
+          </a:p>
+        </p:txBody>
+      </p:sp>
+      <p:sp>
+        <p:nvSpPr>
+          <p:cNvPr id="4" name="Slide Number Placeholder 3"/>
+          <p:cNvSpPr>
+            <a:spLocks noGrp="1"/>
+          </p:cNvSpPr>
+          <p:nvPr>
+            <p:ph type="sldNum" sz="quarter" idx="10"/>
+          </p:nvPr>
+        </p:nvSpPr>
+        <p:spPr/>
+        <p:txBody>
+          <a:bodyPr/>
+          <a:lstStyle/>
+          <a:p>
+            <a:fld id="{1FE3D8C1-E517-46B6-9C32-FED0C0B6C2DD}" type="slidenum">
+              <a:rPr lang="en-GB" smtClean="0"/>
+              <a:t>10</a:t>
             </a:fld>
             <a:endParaRPr lang="en-GB"/>
           </a:p>
@@ -1210,7 +1559,7 @@
           <a:p>
             <a:fld id="{84306E19-38DB-4254-BBD9-6C4CBC784CC1}" type="datetimeFigureOut">
               <a:rPr lang="en-GB" smtClean="0"/>
-              <a:t>05/03/2019</a:t>
+              <a:t>11/03/2019</a:t>
             </a:fld>
             <a:endParaRPr lang="en-GB"/>
           </a:p>
@@ -1380,7 +1729,7 @@
           <a:p>
             <a:fld id="{84306E19-38DB-4254-BBD9-6C4CBC784CC1}" type="datetimeFigureOut">
               <a:rPr lang="en-GB" smtClean="0"/>
-              <a:t>05/03/2019</a:t>
+              <a:t>11/03/2019</a:t>
             </a:fld>
             <a:endParaRPr lang="en-GB"/>
           </a:p>
@@ -1560,7 +1909,7 @@
           <a:p>
             <a:fld id="{84306E19-38DB-4254-BBD9-6C4CBC784CC1}" type="datetimeFigureOut">
               <a:rPr lang="en-GB" smtClean="0"/>
-              <a:t>05/03/2019</a:t>
+              <a:t>11/03/2019</a:t>
             </a:fld>
             <a:endParaRPr lang="en-GB"/>
           </a:p>
@@ -1730,7 +2079,7 @@
           <a:p>
             <a:fld id="{84306E19-38DB-4254-BBD9-6C4CBC784CC1}" type="datetimeFigureOut">
               <a:rPr lang="en-GB" smtClean="0"/>
-              <a:t>05/03/2019</a:t>
+              <a:t>11/03/2019</a:t>
             </a:fld>
             <a:endParaRPr lang="en-GB"/>
           </a:p>
@@ -1976,7 +2325,7 @@
           <a:p>
             <a:fld id="{84306E19-38DB-4254-BBD9-6C4CBC784CC1}" type="datetimeFigureOut">
               <a:rPr lang="en-GB" smtClean="0"/>
-              <a:t>05/03/2019</a:t>
+              <a:t>11/03/2019</a:t>
             </a:fld>
             <a:endParaRPr lang="en-GB"/>
           </a:p>
@@ -2208,7 +2557,7 @@
           <a:p>
             <a:fld id="{84306E19-38DB-4254-BBD9-6C4CBC784CC1}" type="datetimeFigureOut">
               <a:rPr lang="en-GB" smtClean="0"/>
-              <a:t>05/03/2019</a:t>
+              <a:t>11/03/2019</a:t>
             </a:fld>
             <a:endParaRPr lang="en-GB"/>
           </a:p>
@@ -2575,7 +2924,7 @@
           <a:p>
             <a:fld id="{84306E19-38DB-4254-BBD9-6C4CBC784CC1}" type="datetimeFigureOut">
               <a:rPr lang="en-GB" smtClean="0"/>
-              <a:t>05/03/2019</a:t>
+              <a:t>11/03/2019</a:t>
             </a:fld>
             <a:endParaRPr lang="en-GB"/>
           </a:p>
@@ -2693,7 +3042,7 @@
           <a:p>
             <a:fld id="{84306E19-38DB-4254-BBD9-6C4CBC784CC1}" type="datetimeFigureOut">
               <a:rPr lang="en-GB" smtClean="0"/>
-              <a:t>05/03/2019</a:t>
+              <a:t>11/03/2019</a:t>
             </a:fld>
             <a:endParaRPr lang="en-GB"/>
           </a:p>
@@ -2788,7 +3137,7 @@
           <a:p>
             <a:fld id="{84306E19-38DB-4254-BBD9-6C4CBC784CC1}" type="datetimeFigureOut">
               <a:rPr lang="en-GB" smtClean="0"/>
-              <a:t>05/03/2019</a:t>
+              <a:t>11/03/2019</a:t>
             </a:fld>
             <a:endParaRPr lang="en-GB"/>
           </a:p>
@@ -3065,7 +3414,7 @@
           <a:p>
             <a:fld id="{84306E19-38DB-4254-BBD9-6C4CBC784CC1}" type="datetimeFigureOut">
               <a:rPr lang="en-GB" smtClean="0"/>
-              <a:t>05/03/2019</a:t>
+              <a:t>11/03/2019</a:t>
             </a:fld>
             <a:endParaRPr lang="en-GB"/>
           </a:p>
@@ -3318,7 +3667,7 @@
           <a:p>
             <a:fld id="{84306E19-38DB-4254-BBD9-6C4CBC784CC1}" type="datetimeFigureOut">
               <a:rPr lang="en-GB" smtClean="0"/>
-              <a:t>05/03/2019</a:t>
+              <a:t>11/03/2019</a:t>
             </a:fld>
             <a:endParaRPr lang="en-GB"/>
           </a:p>
@@ -3531,7 +3880,7 @@
           <a:p>
             <a:fld id="{84306E19-38DB-4254-BBD9-6C4CBC784CC1}" type="datetimeFigureOut">
               <a:rPr lang="en-GB" smtClean="0"/>
-              <a:t>05/03/2019</a:t>
+              <a:t>11/03/2019</a:t>
             </a:fld>
             <a:endParaRPr lang="en-GB"/>
           </a:p>
@@ -3999,21 +4348,13 @@
           <a:p>
             <a:r>
               <a:rPr lang="pl-PL" sz="3100" dirty="0" smtClean="0"/>
-              <a:t>Piotr </a:t>
-            </a:r>
+              <a:t>Piotr Litwiński</a:t>
+            </a:r>
+          </a:p>
+          <a:p>
             <a:r>
               <a:rPr lang="pl-PL" sz="3100" dirty="0" smtClean="0"/>
-              <a:t>Litwiński</a:t>
-            </a:r>
-          </a:p>
-          <a:p>
-            <a:r>
-              <a:rPr lang="pl-PL" sz="3100" dirty="0" smtClean="0"/>
-              <a:t>https</a:t>
-            </a:r>
-            <a:r>
-              <a:rPr lang="pl-PL" sz="3100" dirty="0" smtClean="0"/>
-              <a:t>://github.com/plitwinski</a:t>
+              <a:t>https://github.com/plitwinski</a:t>
             </a:r>
           </a:p>
           <a:p>
@@ -4038,6 +4379,364 @@
       </p:par>
     </p:tnLst>
   </p:timing>
+</p:sld>
+</file>
+
+<file path=ppt/slides/slide10.xml><?xml version="1.0" encoding="utf-8"?>
+<p:sld xmlns:a="http://schemas.openxmlformats.org/drawingml/2006/main" xmlns:r="http://schemas.openxmlformats.org/officeDocument/2006/relationships" xmlns:p="http://schemas.openxmlformats.org/presentationml/2006/main">
+  <p:cSld>
+    <p:spTree>
+      <p:nvGrpSpPr>
+        <p:cNvPr id="1" name=""/>
+        <p:cNvGrpSpPr/>
+        <p:nvPr/>
+      </p:nvGrpSpPr>
+      <p:grpSpPr>
+        <a:xfrm>
+          <a:off x="0" y="0"/>
+          <a:ext cx="0" cy="0"/>
+          <a:chOff x="0" y="0"/>
+          <a:chExt cx="0" cy="0"/>
+        </a:xfrm>
+      </p:grpSpPr>
+      <p:sp>
+        <p:nvSpPr>
+          <p:cNvPr id="2" name="Title 1"/>
+          <p:cNvSpPr>
+            <a:spLocks noGrp="1"/>
+          </p:cNvSpPr>
+          <p:nvPr>
+            <p:ph type="title"/>
+          </p:nvPr>
+        </p:nvSpPr>
+        <p:spPr>
+          <a:xfrm>
+            <a:off x="1188155" y="2701925"/>
+            <a:ext cx="10515600" cy="2985197"/>
+          </a:xfrm>
+        </p:spPr>
+        <p:txBody>
+          <a:bodyPr>
+            <a:normAutofit/>
+          </a:bodyPr>
+          <a:lstStyle/>
+          <a:p>
+            <a:r>
+              <a:rPr lang="en-GB" sz="2800" dirty="0"/>
+              <a:t>Debugging (both in-process and </a:t>
+            </a:r>
+            <a:r>
+              <a:rPr lang="en-GB" sz="2800" dirty="0" smtClean="0"/>
+              <a:t>distributed)</a:t>
+            </a:r>
+            <a:r>
+              <a:rPr lang="en-GB" sz="2800" dirty="0"/>
+              <a:t/>
+            </a:r>
+            <a:br>
+              <a:rPr lang="en-GB" sz="2800" dirty="0"/>
+            </a:br>
+            <a:r>
+              <a:rPr lang="en-GB" sz="2800" dirty="0"/>
+              <a:t>Development</a:t>
+            </a:r>
+            <a:br>
+              <a:rPr lang="en-GB" sz="2800" dirty="0"/>
+            </a:br>
+            <a:r>
+              <a:rPr lang="en-GB" sz="2800" dirty="0" smtClean="0"/>
+              <a:t>Testing</a:t>
+            </a:r>
+            <a:r>
+              <a:rPr lang="en-GB" sz="2800" dirty="0"/>
+              <a:t/>
+            </a:r>
+            <a:br>
+              <a:rPr lang="en-GB" sz="2800" dirty="0"/>
+            </a:br>
+            <a:r>
+              <a:rPr lang="en-GB" sz="2800" dirty="0" smtClean="0"/>
+              <a:t>Configuration</a:t>
+            </a:r>
+            <a:r>
+              <a:rPr lang="en-GB" sz="2800" dirty="0"/>
+              <a:t/>
+            </a:r>
+            <a:br>
+              <a:rPr lang="en-GB" sz="2800" dirty="0"/>
+            </a:br>
+            <a:r>
+              <a:rPr lang="en-GB" sz="2800" dirty="0" smtClean="0"/>
+              <a:t>Deployment</a:t>
+            </a:r>
+            <a:r>
+              <a:rPr lang="pl-PL" sz="2800" dirty="0" smtClean="0"/>
+              <a:t/>
+            </a:r>
+            <a:br>
+              <a:rPr lang="pl-PL" sz="2800" dirty="0" smtClean="0"/>
+            </a:br>
+            <a:endParaRPr lang="en-GB" sz="2800" dirty="0"/>
+          </a:p>
+        </p:txBody>
+      </p:sp>
+      <p:sp>
+        <p:nvSpPr>
+          <p:cNvPr id="4" name="Title 1"/>
+          <p:cNvSpPr txBox="1">
+            <a:spLocks/>
+          </p:cNvSpPr>
+          <p:nvPr/>
+        </p:nvSpPr>
+        <p:spPr>
+          <a:xfrm>
+            <a:off x="990600" y="517525"/>
+            <a:ext cx="10515600" cy="1325563"/>
+          </a:xfrm>
+          <a:prstGeom prst="rect">
+            <a:avLst/>
+          </a:prstGeom>
+        </p:spPr>
+        <p:txBody>
+          <a:bodyPr vert="horz" lIns="91440" tIns="45720" rIns="91440" bIns="45720" rtlCol="0" anchor="ctr">
+            <a:normAutofit/>
+          </a:bodyPr>
+          <a:lstStyle>
+            <a:lvl1pPr algn="l" defTabSz="914400" rtl="0" eaLnBrk="1" latinLnBrk="0" hangingPunct="1">
+              <a:lnSpc>
+                <a:spcPct val="90000"/>
+              </a:lnSpc>
+              <a:spcBef>
+                <a:spcPct val="0"/>
+              </a:spcBef>
+              <a:buNone/>
+              <a:defRPr sz="4400" kern="1200">
+                <a:solidFill>
+                  <a:schemeClr val="tx1"/>
+                </a:solidFill>
+                <a:latin typeface="+mj-lt"/>
+                <a:ea typeface="+mj-ea"/>
+                <a:cs typeface="+mj-cs"/>
+              </a:defRPr>
+            </a:lvl1pPr>
+          </a:lstStyle>
+          <a:p>
+            <a:r>
+              <a:rPr lang="pl-PL" dirty="0" smtClean="0"/>
+              <a:t>Considerations</a:t>
+            </a:r>
+            <a:endParaRPr lang="en-GB" dirty="0"/>
+          </a:p>
+        </p:txBody>
+      </p:sp>
+    </p:spTree>
+    <p:extLst>
+      <p:ext uri="{BB962C8B-B14F-4D97-AF65-F5344CB8AC3E}">
+        <p14:creationId xmlns:p14="http://schemas.microsoft.com/office/powerpoint/2010/main" val="115405352"/>
+      </p:ext>
+    </p:extLst>
+  </p:cSld>
+  <p:clrMapOvr>
+    <a:masterClrMapping/>
+  </p:clrMapOvr>
+  <p:timing>
+    <p:tnLst>
+      <p:par>
+        <p:cTn id="1" dur="indefinite" restart="never" nodeType="tmRoot"/>
+      </p:par>
+    </p:tnLst>
+  </p:timing>
+</p:sld>
+</file>
+
+<file path=ppt/slides/slide11.xml><?xml version="1.0" encoding="utf-8"?>
+<p:sld xmlns:a="http://schemas.openxmlformats.org/drawingml/2006/main" xmlns:r="http://schemas.openxmlformats.org/officeDocument/2006/relationships" xmlns:p="http://schemas.openxmlformats.org/presentationml/2006/main">
+  <p:cSld>
+    <p:spTree>
+      <p:nvGrpSpPr>
+        <p:cNvPr id="1" name=""/>
+        <p:cNvGrpSpPr/>
+        <p:nvPr/>
+      </p:nvGrpSpPr>
+      <p:grpSpPr>
+        <a:xfrm>
+          <a:off x="0" y="0"/>
+          <a:ext cx="0" cy="0"/>
+          <a:chOff x="0" y="0"/>
+          <a:chExt cx="0" cy="0"/>
+        </a:xfrm>
+      </p:grpSpPr>
+      <p:sp>
+        <p:nvSpPr>
+          <p:cNvPr id="2" name="Title 1"/>
+          <p:cNvSpPr>
+            <a:spLocks noGrp="1"/>
+          </p:cNvSpPr>
+          <p:nvPr>
+            <p:ph type="title"/>
+          </p:nvPr>
+        </p:nvSpPr>
+        <p:spPr/>
+        <p:txBody>
+          <a:bodyPr/>
+          <a:lstStyle/>
+          <a:p>
+            <a:r>
+              <a:rPr lang="pl-PL" dirty="0"/>
+              <a:t>Other frameworks and useful </a:t>
+            </a:r>
+            <a:r>
+              <a:rPr lang="pl-PL" dirty="0" smtClean="0"/>
+              <a:t>resources</a:t>
+            </a:r>
+            <a:endParaRPr lang="pl-PL" dirty="0"/>
+          </a:p>
+        </p:txBody>
+      </p:sp>
+      <p:sp>
+        <p:nvSpPr>
+          <p:cNvPr id="3" name="Content Placeholder 2"/>
+          <p:cNvSpPr>
+            <a:spLocks noGrp="1"/>
+          </p:cNvSpPr>
+          <p:nvPr>
+            <p:ph idx="1"/>
+          </p:nvPr>
+        </p:nvSpPr>
+        <p:spPr/>
+        <p:txBody>
+          <a:bodyPr/>
+          <a:lstStyle/>
+          <a:p>
+            <a:r>
+              <a:rPr lang="pl-PL" dirty="0">
+                <a:hlinkClick r:id="rId3"/>
+              </a:rPr>
+              <a:t>https://getakka.net</a:t>
+            </a:r>
+            <a:r>
+              <a:rPr lang="pl-PL" dirty="0" smtClean="0">
+                <a:hlinkClick r:id="rId3"/>
+              </a:rPr>
+              <a:t>/</a:t>
+            </a:r>
+            <a:endParaRPr lang="pl-PL" dirty="0" smtClean="0"/>
+          </a:p>
+          <a:p>
+            <a:r>
+              <a:rPr lang="pl-PL" dirty="0">
+                <a:hlinkClick r:id="rId4"/>
+              </a:rPr>
+              <a:t>https://dotnet.github.io/orleans</a:t>
+            </a:r>
+            <a:r>
+              <a:rPr lang="pl-PL" dirty="0" smtClean="0">
+                <a:hlinkClick r:id="rId4"/>
+              </a:rPr>
+              <a:t>/</a:t>
+            </a:r>
+            <a:endParaRPr lang="pl-PL" dirty="0" smtClean="0"/>
+          </a:p>
+          <a:p>
+            <a:r>
+              <a:rPr lang="pl-PL" dirty="0">
+                <a:hlinkClick r:id="rId5"/>
+              </a:rPr>
+              <a:t>http://proto.actor</a:t>
+            </a:r>
+            <a:r>
+              <a:rPr lang="pl-PL" dirty="0" smtClean="0">
+                <a:hlinkClick r:id="rId5"/>
+              </a:rPr>
+              <a:t>/</a:t>
+            </a:r>
+            <a:endParaRPr lang="pl-PL" dirty="0" smtClean="0"/>
+          </a:p>
+          <a:p>
+            <a:r>
+              <a:rPr lang="pl-PL" dirty="0">
+                <a:hlinkClick r:id="rId6"/>
+              </a:rPr>
+              <a:t>https://www.brianstorti.com/the-actor-model</a:t>
+            </a:r>
+            <a:r>
+              <a:rPr lang="pl-PL" dirty="0" smtClean="0">
+                <a:hlinkClick r:id="rId6"/>
+              </a:rPr>
+              <a:t>/</a:t>
+            </a:r>
+            <a:endParaRPr lang="pl-PL" dirty="0" smtClean="0"/>
+          </a:p>
+        </p:txBody>
+      </p:sp>
+    </p:spTree>
+    <p:extLst>
+      <p:ext uri="{BB962C8B-B14F-4D97-AF65-F5344CB8AC3E}">
+        <p14:creationId xmlns:p14="http://schemas.microsoft.com/office/powerpoint/2010/main" val="833904426"/>
+      </p:ext>
+    </p:extLst>
+  </p:cSld>
+  <p:clrMapOvr>
+    <a:masterClrMapping/>
+  </p:clrMapOvr>
+</p:sld>
+</file>
+
+<file path=ppt/slides/slide12.xml><?xml version="1.0" encoding="utf-8"?>
+<p:sld xmlns:a="http://schemas.openxmlformats.org/drawingml/2006/main" xmlns:r="http://schemas.openxmlformats.org/officeDocument/2006/relationships" xmlns:p="http://schemas.openxmlformats.org/presentationml/2006/main">
+  <p:cSld>
+    <p:spTree>
+      <p:nvGrpSpPr>
+        <p:cNvPr id="1" name=""/>
+        <p:cNvGrpSpPr/>
+        <p:nvPr/>
+      </p:nvGrpSpPr>
+      <p:grpSpPr>
+        <a:xfrm>
+          <a:off x="0" y="0"/>
+          <a:ext cx="0" cy="0"/>
+          <a:chOff x="0" y="0"/>
+          <a:chExt cx="0" cy="0"/>
+        </a:xfrm>
+      </p:grpSpPr>
+      <p:sp>
+        <p:nvSpPr>
+          <p:cNvPr id="2" name="Title 1"/>
+          <p:cNvSpPr>
+            <a:spLocks noGrp="1"/>
+          </p:cNvSpPr>
+          <p:nvPr>
+            <p:ph type="title"/>
+          </p:nvPr>
+        </p:nvSpPr>
+        <p:spPr>
+          <a:xfrm>
+            <a:off x="938561" y="2472706"/>
+            <a:ext cx="10515600" cy="1325563"/>
+          </a:xfrm>
+        </p:spPr>
+        <p:txBody>
+          <a:bodyPr/>
+          <a:lstStyle/>
+          <a:p>
+            <a:r>
+              <a:rPr lang="pl-PL" dirty="0" smtClean="0"/>
+              <a:t>Questions?</a:t>
+            </a:r>
+            <a:endParaRPr lang="pl-PL" dirty="0"/>
+          </a:p>
+        </p:txBody>
+      </p:sp>
+    </p:spTree>
+    <p:extLst>
+      <p:ext uri="{BB962C8B-B14F-4D97-AF65-F5344CB8AC3E}">
+        <p14:creationId xmlns:p14="http://schemas.microsoft.com/office/powerpoint/2010/main" val="3749881698"/>
+      </p:ext>
+    </p:extLst>
+  </p:cSld>
+  <p:clrMapOvr>
+    <a:masterClrMapping/>
+  </p:clrMapOvr>
 </p:sld>
 </file>
 
@@ -4593,49 +5292,11 @@
           <a:p>
             <a:r>
               <a:rPr lang="pl-PL" sz="2800" dirty="0" smtClean="0"/>
-              <a:t>1. Processing streams of data concurrently (e.g. </a:t>
-            </a:r>
-            <a:r>
-              <a:rPr lang="pl-PL" sz="2800" dirty="0"/>
-              <a:t>d</a:t>
+              <a:t>1. Processing streams of data </a:t>
             </a:r>
             <a:r>
               <a:rPr lang="pl-PL" sz="2800" dirty="0" smtClean="0"/>
-              <a:t>ata insertion)</a:t>
-            </a:r>
-            <a:br>
-              <a:rPr lang="pl-PL" sz="2800" dirty="0" smtClean="0"/>
-            </a:br>
-            <a:r>
-              <a:rPr lang="pl-PL" sz="2800" dirty="0"/>
-              <a:t/>
-            </a:r>
-            <a:br>
-              <a:rPr lang="pl-PL" sz="2800" dirty="0"/>
-            </a:br>
-            <a:r>
-              <a:rPr lang="pl-PL" sz="2800" dirty="0" smtClean="0"/>
-              <a:t>2. Listening for changes in multi tenant system</a:t>
-            </a:r>
-            <a:br>
-              <a:rPr lang="pl-PL" sz="2800" dirty="0" smtClean="0"/>
-            </a:br>
-            <a:r>
-              <a:rPr lang="pl-PL" sz="2800" dirty="0" smtClean="0"/>
-              <a:t/>
-            </a:r>
-            <a:br>
-              <a:rPr lang="pl-PL" sz="2800" dirty="0" smtClean="0"/>
-            </a:br>
-            <a:r>
-              <a:rPr lang="pl-PL" sz="2800" dirty="0" smtClean="0"/>
-              <a:t>3. Many, many more </a:t>
-            </a:r>
-            <a:r>
-              <a:rPr lang="pl-PL" sz="2800" dirty="0" smtClean="0">
-                <a:sym typeface="Wingdings" panose="05000000000000000000" pitchFamily="2" charset="2"/>
-              </a:rPr>
-              <a:t></a:t>
+              <a:t>concurrently</a:t>
             </a:r>
             <a:endParaRPr lang="en-GB" sz="2800" dirty="0"/>
           </a:p>
@@ -4744,7 +5405,7 @@
         <p:spPr>
           <a:xfrm>
             <a:off x="1188155" y="2701925"/>
-            <a:ext cx="10515600" cy="2985197"/>
+            <a:ext cx="10515600" cy="2996348"/>
           </a:xfrm>
         </p:spPr>
         <p:txBody>
@@ -4754,37 +5415,9 @@
           <a:lstStyle/>
           <a:p>
             <a:r>
-              <a:rPr lang="pl-PL" sz="2800" dirty="0" smtClean="0"/>
-              <a:t>Debugging (both in-process and distrubuted)</a:t>
-            </a:r>
-            <a:br>
-              <a:rPr lang="pl-PL" sz="2800" dirty="0" smtClean="0"/>
-            </a:br>
-            <a:r>
-              <a:rPr lang="pl-PL" sz="2800" dirty="0" smtClean="0"/>
-              <a:t>Development</a:t>
-            </a:r>
-            <a:br>
-              <a:rPr lang="pl-PL" sz="2800" dirty="0" smtClean="0"/>
-            </a:br>
-            <a:r>
-              <a:rPr lang="pl-PL" sz="2800" dirty="0" smtClean="0"/>
-              <a:t>Configuration</a:t>
-            </a:r>
-            <a:br>
-              <a:rPr lang="pl-PL" sz="2800" dirty="0" smtClean="0"/>
-            </a:br>
-            <a:r>
-              <a:rPr lang="pl-PL" sz="2800" dirty="0" smtClean="0"/>
-              <a:t>Deployment</a:t>
-            </a:r>
-            <a:r>
-              <a:rPr lang="pl-PL" sz="2800" dirty="0" smtClean="0"/>
-              <a:t/>
-            </a:r>
-            <a:br>
-              <a:rPr lang="pl-PL" sz="2800" dirty="0" smtClean="0"/>
-            </a:br>
+              <a:rPr lang="pl-PL" sz="2800" dirty="0"/>
+              <a:t>2. Listening for changes in multi tenant system</a:t>
+            </a:r>
             <a:endParaRPr lang="en-GB" sz="2800" dirty="0"/>
           </a:p>
         </p:txBody>
@@ -4831,8 +5464,12 @@
           </a:lstStyle>
           <a:p>
             <a:r>
+              <a:rPr lang="pl-PL" dirty="0"/>
+              <a:t>What are the real case scenarios for Actor Model</a:t>
+            </a:r>
+            <a:r>
               <a:rPr lang="pl-PL" dirty="0" smtClean="0"/>
-              <a:t>Considerations</a:t>
+              <a:t>?</a:t>
             </a:r>
             <a:endParaRPr lang="en-GB" dirty="0"/>
           </a:p>
@@ -4841,7 +5478,7 @@
     </p:spTree>
     <p:extLst>
       <p:ext uri="{BB962C8B-B14F-4D97-AF65-F5344CB8AC3E}">
-        <p14:creationId xmlns:p14="http://schemas.microsoft.com/office/powerpoint/2010/main" val="115405352"/>
+        <p14:creationId xmlns:p14="http://schemas.microsoft.com/office/powerpoint/2010/main" val="3215687285"/>
       </p:ext>
     </p:extLst>
   </p:cSld>
@@ -4885,109 +5522,110 @@
             <p:ph type="title"/>
           </p:nvPr>
         </p:nvSpPr>
-        <p:spPr/>
-        <p:txBody>
-          <a:bodyPr/>
-          <a:lstStyle/>
+        <p:spPr>
+          <a:xfrm>
+            <a:off x="1188155" y="2701925"/>
+            <a:ext cx="10515600" cy="2996348"/>
+          </a:xfrm>
+        </p:spPr>
+        <p:txBody>
+          <a:bodyPr>
+            <a:normAutofit/>
+          </a:bodyPr>
+          <a:lstStyle/>
+          <a:p>
+            <a:r>
+              <a:rPr lang="pl-PL" sz="2800" dirty="0" smtClean="0"/>
+              <a:t>3</a:t>
+            </a:r>
+            <a:r>
+              <a:rPr lang="pl-PL" sz="2800" dirty="0" smtClean="0"/>
+              <a:t>. </a:t>
+            </a:r>
+            <a:r>
+              <a:rPr lang="pl-PL" sz="2800" dirty="0" smtClean="0"/>
+              <a:t>Candy shop </a:t>
+            </a:r>
+            <a:r>
+              <a:rPr lang="pl-PL" sz="2800" dirty="0" smtClean="0">
+                <a:sym typeface="Wingdings" panose="05000000000000000000" pitchFamily="2" charset="2"/>
+              </a:rPr>
+              <a:t></a:t>
+            </a:r>
+            <a:endParaRPr lang="en-GB" sz="2800" dirty="0"/>
+          </a:p>
+        </p:txBody>
+      </p:sp>
+      <p:sp>
+        <p:nvSpPr>
+          <p:cNvPr id="4" name="Title 1"/>
+          <p:cNvSpPr txBox="1">
+            <a:spLocks/>
+          </p:cNvSpPr>
+          <p:nvPr/>
+        </p:nvSpPr>
+        <p:spPr>
+          <a:xfrm>
+            <a:off x="990600" y="517525"/>
+            <a:ext cx="10515600" cy="1325563"/>
+          </a:xfrm>
+          <a:prstGeom prst="rect">
+            <a:avLst/>
+          </a:prstGeom>
+        </p:spPr>
+        <p:txBody>
+          <a:bodyPr vert="horz" lIns="91440" tIns="45720" rIns="91440" bIns="45720" rtlCol="0" anchor="ctr">
+            <a:normAutofit/>
+          </a:bodyPr>
+          <a:lstStyle>
+            <a:lvl1pPr algn="l" defTabSz="914400" rtl="0" eaLnBrk="1" latinLnBrk="0" hangingPunct="1">
+              <a:lnSpc>
+                <a:spcPct val="90000"/>
+              </a:lnSpc>
+              <a:spcBef>
+                <a:spcPct val="0"/>
+              </a:spcBef>
+              <a:buNone/>
+              <a:defRPr sz="4400" kern="1200">
+                <a:solidFill>
+                  <a:schemeClr val="tx1"/>
+                </a:solidFill>
+                <a:latin typeface="+mj-lt"/>
+                <a:ea typeface="+mj-ea"/>
+                <a:cs typeface="+mj-cs"/>
+              </a:defRPr>
+            </a:lvl1pPr>
+          </a:lstStyle>
           <a:p>
             <a:r>
               <a:rPr lang="pl-PL" dirty="0"/>
-              <a:t>Other frameworks and useful </a:t>
+              <a:t>What are the real case scenarios for Actor Model</a:t>
             </a:r>
             <a:r>
               <a:rPr lang="pl-PL" dirty="0" smtClean="0"/>
-              <a:t>resources</a:t>
-            </a:r>
-            <a:endParaRPr lang="pl-PL" dirty="0"/>
-          </a:p>
-        </p:txBody>
-      </p:sp>
-      <p:sp>
-        <p:nvSpPr>
-          <p:cNvPr id="3" name="Content Placeholder 2"/>
-          <p:cNvSpPr>
-            <a:spLocks noGrp="1"/>
-          </p:cNvSpPr>
-          <p:nvPr>
-            <p:ph idx="1"/>
-          </p:nvPr>
-        </p:nvSpPr>
-        <p:spPr/>
-        <p:txBody>
-          <a:bodyPr/>
-          <a:lstStyle/>
-          <a:p>
-            <a:r>
-              <a:rPr lang="pl-PL" dirty="0">
-                <a:hlinkClick r:id="rId2"/>
-              </a:rPr>
-              <a:t>https://getakka.net</a:t>
-            </a:r>
-            <a:r>
-              <a:rPr lang="pl-PL" dirty="0" smtClean="0">
-                <a:hlinkClick r:id="rId2"/>
-              </a:rPr>
-              <a:t>/</a:t>
-            </a:r>
-            <a:endParaRPr lang="pl-PL" dirty="0" smtClean="0"/>
-          </a:p>
-          <a:p>
-            <a:r>
-              <a:rPr lang="pl-PL" dirty="0">
-                <a:hlinkClick r:id="rId3"/>
-              </a:rPr>
-              <a:t>https://dotnet.github.io/orleans</a:t>
-            </a:r>
-            <a:r>
-              <a:rPr lang="pl-PL" dirty="0" smtClean="0">
-                <a:hlinkClick r:id="rId3"/>
-              </a:rPr>
-              <a:t>/</a:t>
-            </a:r>
-            <a:endParaRPr lang="pl-PL" dirty="0" smtClean="0"/>
-          </a:p>
-          <a:p>
-            <a:r>
-              <a:rPr lang="pl-PL" dirty="0">
-                <a:hlinkClick r:id="rId4"/>
-              </a:rPr>
-              <a:t>http://proto.actor</a:t>
-            </a:r>
-            <a:r>
-              <a:rPr lang="pl-PL" dirty="0" smtClean="0">
-                <a:hlinkClick r:id="rId4"/>
-              </a:rPr>
-              <a:t>/</a:t>
-            </a:r>
-            <a:endParaRPr lang="pl-PL" dirty="0" smtClean="0"/>
-          </a:p>
-          <a:p>
-            <a:r>
-              <a:rPr lang="pl-PL" dirty="0">
-                <a:hlinkClick r:id="rId5"/>
-              </a:rPr>
-              <a:t>https://www.brianstorti.com/the-actor-model</a:t>
-            </a:r>
-            <a:r>
-              <a:rPr lang="pl-PL" dirty="0" smtClean="0">
-                <a:hlinkClick r:id="rId5"/>
-              </a:rPr>
-              <a:t>/</a:t>
-            </a:r>
-            <a:endParaRPr lang="pl-PL" dirty="0" smtClean="0"/>
+              <a:t>?</a:t>
+            </a:r>
+            <a:endParaRPr lang="en-GB" dirty="0"/>
           </a:p>
         </p:txBody>
       </p:sp>
     </p:spTree>
     <p:extLst>
       <p:ext uri="{BB962C8B-B14F-4D97-AF65-F5344CB8AC3E}">
-        <p14:creationId xmlns:p14="http://schemas.microsoft.com/office/powerpoint/2010/main" val="833904426"/>
+        <p14:creationId xmlns:p14="http://schemas.microsoft.com/office/powerpoint/2010/main" val="3653239406"/>
       </p:ext>
     </p:extLst>
   </p:cSld>
   <p:clrMapOvr>
     <a:masterClrMapping/>
   </p:clrMapOvr>
+  <p:timing>
+    <p:tnLst>
+      <p:par>
+        <p:cTn id="1" dur="indefinite" restart="never" nodeType="tmRoot"/>
+      </p:par>
+    </p:tnLst>
+  </p:timing>
 </p:sld>
 </file>
 
@@ -5020,32 +5658,108 @@
         </p:nvSpPr>
         <p:spPr>
           <a:xfrm>
-            <a:off x="938561" y="2472706"/>
+            <a:off x="1188155" y="2701925"/>
+            <a:ext cx="10515600" cy="2996348"/>
+          </a:xfrm>
+        </p:spPr>
+        <p:txBody>
+          <a:bodyPr>
+            <a:normAutofit/>
+          </a:bodyPr>
+          <a:lstStyle/>
+          <a:p>
+            <a:r>
+              <a:rPr lang="pl-PL" sz="2800" dirty="0"/>
+              <a:t/>
+            </a:r>
+            <a:br>
+              <a:rPr lang="pl-PL" sz="2800" dirty="0"/>
+            </a:br>
+            <a:r>
+              <a:rPr lang="pl-PL" sz="2800" dirty="0" smtClean="0"/>
+              <a:t>4. and much, much more!</a:t>
+            </a:r>
+            <a:r>
+              <a:rPr lang="pl-PL" sz="2800" dirty="0" smtClean="0"/>
+              <a:t/>
+            </a:r>
+            <a:br>
+              <a:rPr lang="pl-PL" sz="2800" dirty="0" smtClean="0"/>
+            </a:br>
+            <a:endParaRPr lang="en-GB" sz="2800" dirty="0"/>
+          </a:p>
+        </p:txBody>
+      </p:sp>
+      <p:sp>
+        <p:nvSpPr>
+          <p:cNvPr id="4" name="Title 1"/>
+          <p:cNvSpPr txBox="1">
+            <a:spLocks/>
+          </p:cNvSpPr>
+          <p:nvPr/>
+        </p:nvSpPr>
+        <p:spPr>
+          <a:xfrm>
+            <a:off x="990600" y="517525"/>
             <a:ext cx="10515600" cy="1325563"/>
           </a:xfrm>
+          <a:prstGeom prst="rect">
+            <a:avLst/>
+          </a:prstGeom>
         </p:spPr>
         <p:txBody>
-          <a:bodyPr/>
-          <a:lstStyle/>
-          <a:p>
+          <a:bodyPr vert="horz" lIns="91440" tIns="45720" rIns="91440" bIns="45720" rtlCol="0" anchor="ctr">
+            <a:normAutofit/>
+          </a:bodyPr>
+          <a:lstStyle>
+            <a:lvl1pPr algn="l" defTabSz="914400" rtl="0" eaLnBrk="1" latinLnBrk="0" hangingPunct="1">
+              <a:lnSpc>
+                <a:spcPct val="90000"/>
+              </a:lnSpc>
+              <a:spcBef>
+                <a:spcPct val="0"/>
+              </a:spcBef>
+              <a:buNone/>
+              <a:defRPr sz="4400" kern="1200">
+                <a:solidFill>
+                  <a:schemeClr val="tx1"/>
+                </a:solidFill>
+                <a:latin typeface="+mj-lt"/>
+                <a:ea typeface="+mj-ea"/>
+                <a:cs typeface="+mj-cs"/>
+              </a:defRPr>
+            </a:lvl1pPr>
+          </a:lstStyle>
+          <a:p>
+            <a:r>
+              <a:rPr lang="pl-PL" dirty="0"/>
+              <a:t>What are the real case scenarios for Actor Model</a:t>
+            </a:r>
             <a:r>
               <a:rPr lang="pl-PL" dirty="0" smtClean="0"/>
-              <a:t>Questions?</a:t>
-            </a:r>
-            <a:endParaRPr lang="pl-PL" dirty="0"/>
+              <a:t>?</a:t>
+            </a:r>
+            <a:endParaRPr lang="en-GB" dirty="0"/>
           </a:p>
         </p:txBody>
       </p:sp>
     </p:spTree>
     <p:extLst>
       <p:ext uri="{BB962C8B-B14F-4D97-AF65-F5344CB8AC3E}">
-        <p14:creationId xmlns:p14="http://schemas.microsoft.com/office/powerpoint/2010/main" val="3749881698"/>
+        <p14:creationId xmlns:p14="http://schemas.microsoft.com/office/powerpoint/2010/main" val="915017017"/>
       </p:ext>
     </p:extLst>
   </p:cSld>
   <p:clrMapOvr>
     <a:masterClrMapping/>
   </p:clrMapOvr>
+  <p:timing>
+    <p:tnLst>
+      <p:par>
+        <p:cTn id="1" dur="indefinite" restart="never" nodeType="tmRoot"/>
+      </p:par>
+    </p:tnLst>
+  </p:timing>
 </p:sld>
 </file>
 

--- a/presentation/english/akka-dotnet-as-an-example-of-actor-model.pptx
+++ b/presentation/english/akka-dotnet-as-an-example-of-actor-model.pptx
@@ -5161,7 +5161,7 @@
         <p:spPr>
           <a:xfrm>
             <a:off x="1188155" y="2701925"/>
-            <a:ext cx="10515600" cy="1215319"/>
+            <a:ext cx="10515600" cy="2851381"/>
           </a:xfrm>
         </p:spPr>
         <p:txBody>
@@ -5172,8 +5172,25 @@
           <a:p>
             <a:r>
               <a:rPr lang="pl-PL" sz="2800" dirty="0" smtClean="0"/>
-              <a:t>Concurrent computation</a:t>
-            </a:r>
+              <a:t>Isolation</a:t>
+            </a:r>
+            <a:br>
+              <a:rPr lang="pl-PL" sz="2800" dirty="0" smtClean="0"/>
+            </a:br>
+            <a:r>
+              <a:rPr lang="pl-PL" sz="2800" dirty="0" smtClean="0"/>
+              <a:t/>
+            </a:r>
+            <a:br>
+              <a:rPr lang="pl-PL" sz="2800" dirty="0" smtClean="0"/>
+            </a:br>
+            <a:r>
+              <a:rPr lang="pl-PL" sz="2800" dirty="0" smtClean="0"/>
+              <a:t>Independent execution (no locks!)</a:t>
+            </a:r>
+            <a:br>
+              <a:rPr lang="pl-PL" sz="2800" dirty="0" smtClean="0"/>
+            </a:br>
             <a:endParaRPr lang="en-GB" sz="2800" dirty="0"/>
           </a:p>
         </p:txBody>
@@ -5292,11 +5309,7 @@
           <a:p>
             <a:r>
               <a:rPr lang="pl-PL" sz="2800" dirty="0" smtClean="0"/>
-              <a:t>1. Processing streams of data </a:t>
-            </a:r>
-            <a:r>
-              <a:rPr lang="pl-PL" sz="2800" dirty="0" smtClean="0"/>
-              <a:t>concurrently</a:t>
+              <a:t>1. Processing streams of data concurrently</a:t>
             </a:r>
             <a:endParaRPr lang="en-GB" sz="2800" dirty="0"/>
           </a:p>
@@ -5536,15 +5549,7 @@
           <a:p>
             <a:r>
               <a:rPr lang="pl-PL" sz="2800" dirty="0" smtClean="0"/>
-              <a:t>3</a:t>
-            </a:r>
-            <a:r>
-              <a:rPr lang="pl-PL" sz="2800" dirty="0" smtClean="0"/>
-              <a:t>. </a:t>
-            </a:r>
-            <a:r>
-              <a:rPr lang="pl-PL" sz="2800" dirty="0" smtClean="0"/>
-              <a:t>Candy shop </a:t>
+              <a:t>3. Candy shop </a:t>
             </a:r>
             <a:r>
               <a:rPr lang="pl-PL" sz="2800" dirty="0" smtClean="0">
@@ -5678,10 +5683,6 @@
             <a:r>
               <a:rPr lang="pl-PL" sz="2800" dirty="0" smtClean="0"/>
               <a:t>4. and much, much more!</a:t>
-            </a:r>
-            <a:r>
-              <a:rPr lang="pl-PL" sz="2800" dirty="0" smtClean="0"/>
-              <a:t/>
             </a:r>
             <a:br>
               <a:rPr lang="pl-PL" sz="2800" dirty="0" smtClean="0"/>
